--- a/FreeFood.pptx
+++ b/FreeFood.pptx
@@ -5,10 +5,10 @@
     <p:sldMasterId id="2147483813" r:id="rId1"/>
   </p:sldMasterIdLst>
   <p:notesMasterIdLst>
-    <p:notesMasterId r:id="rId11"/>
+    <p:notesMasterId r:id="rId13"/>
   </p:notesMasterIdLst>
   <p:handoutMasterIdLst>
-    <p:handoutMasterId r:id="rId12"/>
+    <p:handoutMasterId r:id="rId14"/>
   </p:handoutMasterIdLst>
   <p:sldIdLst>
     <p:sldId id="257" r:id="rId2"/>
@@ -19,7 +19,9 @@
     <p:sldId id="263" r:id="rId7"/>
     <p:sldId id="276" r:id="rId8"/>
     <p:sldId id="277" r:id="rId9"/>
-    <p:sldId id="278" r:id="rId10"/>
+    <p:sldId id="280" r:id="rId10"/>
+    <p:sldId id="279" r:id="rId11"/>
+    <p:sldId id="278" r:id="rId12"/>
   </p:sldIdLst>
   <p:sldSz cx="12192000" cy="6858000"/>
   <p:notesSz cx="6858000" cy="9144000"/>
@@ -213,7 +215,7 @@
             <a:pPr rtl="0"/>
             <a:fld id="{91B8F1DB-4322-411D-BE1D-800208928B76}" type="datetime1">
               <a:rPr lang="en-US" smtClean="0"/>
-              <a:t>6/21/2023</a:t>
+              <a:t>6/22/2023</a:t>
             </a:fld>
             <a:endParaRPr lang="en-US" dirty="0"/>
           </a:p>
@@ -383,7 +385,7 @@
             <a:pPr rtl="0"/>
             <a:fld id="{F1FDFBCE-9522-474A-B58A-C4B46B53DA6F}" type="datetime1">
               <a:rPr lang="en-US" smtClean="0"/>
-              <a:t>6/21/2023</a:t>
+              <a:t>6/22/2023</a:t>
             </a:fld>
             <a:endParaRPr lang="en-US"/>
           </a:p>
@@ -883,7 +885,7 @@
             <a:pPr rtl="0"/>
             <a:fld id="{5EAE40C9-D0BC-431E-94CA-3A0AFB9CF2DC}" type="datetime1">
               <a:rPr lang="en-US" smtClean="0"/>
-              <a:t>6/21/2023</a:t>
+              <a:t>6/22/2023</a:t>
             </a:fld>
             <a:endParaRPr lang="en-US" dirty="0"/>
           </a:p>
@@ -1094,7 +1096,7 @@
             <a:pPr rtl="0"/>
             <a:fld id="{668ACE20-7520-4CBD-AF10-4181E484D505}" type="datetime1">
               <a:rPr lang="en-US" smtClean="0"/>
-              <a:t>6/21/2023</a:t>
+              <a:t>6/22/2023</a:t>
             </a:fld>
             <a:endParaRPr lang="en-US" dirty="0"/>
           </a:p>
@@ -1353,7 +1355,7 @@
             <a:pPr rtl="0"/>
             <a:fld id="{C7010D17-85D8-40AF-A827-D3D53BD21CF7}" type="datetime1">
               <a:rPr lang="en-US" smtClean="0"/>
-              <a:t>6/21/2023</a:t>
+              <a:t>6/22/2023</a:t>
             </a:fld>
             <a:endParaRPr lang="en-US" dirty="0"/>
           </a:p>
@@ -2227,7 +2229,7 @@
             <a:pPr rtl="0"/>
             <a:fld id="{98C8693B-3DD6-45FE-8789-61898B52A928}" type="datetime1">
               <a:rPr lang="en-US" smtClean="0"/>
-              <a:t>6/21/2023</a:t>
+              <a:t>6/22/2023</a:t>
             </a:fld>
             <a:endParaRPr lang="en-US" dirty="0"/>
           </a:p>
@@ -2565,7 +2567,7 @@
             <a:pPr rtl="0"/>
             <a:fld id="{B2153D3D-6C97-4D7F-B772-F372108194EF}" type="datetime1">
               <a:rPr lang="en-US" smtClean="0"/>
-              <a:t>6/21/2023</a:t>
+              <a:t>6/22/2023</a:t>
             </a:fld>
             <a:endParaRPr lang="en-US" dirty="0"/>
           </a:p>
@@ -2843,7 +2845,7 @@
             <a:pPr rtl="0"/>
             <a:fld id="{AA98EE32-EA07-47DB-A8CB-BEEA4248E79E}" type="datetime1">
               <a:rPr lang="en-US" smtClean="0"/>
-              <a:t>6/21/2023</a:t>
+              <a:t>6/22/2023</a:t>
             </a:fld>
             <a:endParaRPr lang="en-US" dirty="0"/>
           </a:p>
@@ -3225,7 +3227,7 @@
             <a:pPr rtl="0"/>
             <a:fld id="{08F3DCD7-2315-4B3C-A783-152D4A0443CE}" type="datetime1">
               <a:rPr lang="en-US" smtClean="0"/>
-              <a:t>6/21/2023</a:t>
+              <a:t>6/22/2023</a:t>
             </a:fld>
             <a:endParaRPr lang="en-US" dirty="0"/>
           </a:p>
@@ -3346,7 +3348,7 @@
             <a:pPr rtl="0"/>
             <a:fld id="{114CA0E2-3171-4709-80F4-3E7D9CEDA1F5}" type="datetime1">
               <a:rPr lang="en-US" smtClean="0"/>
-              <a:t>6/21/2023</a:t>
+              <a:t>6/22/2023</a:t>
             </a:fld>
             <a:endParaRPr lang="en-US" dirty="0"/>
           </a:p>
@@ -3520,7 +3522,7 @@
             <a:pPr rtl="0"/>
             <a:fld id="{BAFE2A55-4918-4B78-B4C1-223F7257E9CD}" type="datetime1">
               <a:rPr lang="en-US" smtClean="0"/>
-              <a:t>6/21/2023</a:t>
+              <a:t>6/22/2023</a:t>
             </a:fld>
             <a:endParaRPr lang="en-US" dirty="0"/>
           </a:p>
@@ -3877,7 +3879,7 @@
             <a:pPr rtl="0"/>
             <a:fld id="{5D2B994F-6814-42FC-A99F-20C3AC32CA91}" type="datetime1">
               <a:rPr lang="en-US" smtClean="0"/>
-              <a:t>6/21/2023</a:t>
+              <a:t>6/22/2023</a:t>
             </a:fld>
             <a:endParaRPr lang="en-US" dirty="0"/>
           </a:p>
@@ -4258,7 +4260,7 @@
             <a:pPr rtl="0"/>
             <a:fld id="{5FE6B8DD-2C22-484C-9134-B065A54C675C}" type="datetime1">
               <a:rPr lang="en-US" smtClean="0"/>
-              <a:t>6/21/2023</a:t>
+              <a:t>6/22/2023</a:t>
             </a:fld>
             <a:endParaRPr lang="en-US" dirty="0"/>
           </a:p>
@@ -4557,7 +4559,7 @@
             <a:pPr rtl="0"/>
             <a:fld id="{5601AA8C-C1C6-4293-BB33-7DEFE4232294}" type="datetime1">
               <a:rPr lang="en-US" smtClean="0"/>
-              <a:t>6/21/2023</a:t>
+              <a:t>6/22/2023</a:t>
             </a:fld>
             <a:endParaRPr lang="en-US" dirty="0"/>
           </a:p>
@@ -5290,6 +5292,563 @@
 </p:sld>
 </file>
 
+<file path=ppt/slides/slide10.xml><?xml version="1.0" encoding="utf-8"?>
+<p:sld xmlns:a="http://schemas.openxmlformats.org/drawingml/2006/main" xmlns:r="http://schemas.openxmlformats.org/officeDocument/2006/relationships" xmlns:p="http://schemas.openxmlformats.org/presentationml/2006/main">
+  <p:cSld>
+    <p:spTree>
+      <p:nvGrpSpPr>
+        <p:cNvPr id="1" name=""/>
+        <p:cNvGrpSpPr/>
+        <p:nvPr/>
+      </p:nvGrpSpPr>
+      <p:grpSpPr>
+        <a:xfrm>
+          <a:off x="0" y="0"/>
+          <a:ext cx="0" cy="0"/>
+          <a:chOff x="0" y="0"/>
+          <a:chExt cx="0" cy="0"/>
+        </a:xfrm>
+      </p:grpSpPr>
+      <p:sp>
+        <p:nvSpPr>
+          <p:cNvPr id="2" name="Title 1">
+            <a:extLst>
+              <a:ext uri="{FF2B5EF4-FFF2-40B4-BE49-F238E27FC236}">
+                <a16:creationId xmlns:a16="http://schemas.microsoft.com/office/drawing/2014/main" id="{DD0B6389-2374-4677-B8BB-59410CCC32FD}"/>
+              </a:ext>
+            </a:extLst>
+          </p:cNvPr>
+          <p:cNvSpPr>
+            <a:spLocks noGrp="1"/>
+          </p:cNvSpPr>
+          <p:nvPr>
+            <p:ph type="title"/>
+          </p:nvPr>
+        </p:nvSpPr>
+        <p:spPr>
+          <a:xfrm>
+            <a:off x="4943077" y="944880"/>
+            <a:ext cx="2033317" cy="640080"/>
+          </a:xfrm>
+          <a:noFill/>
+        </p:spPr>
+        <p:style>
+          <a:lnRef idx="2">
+            <a:schemeClr val="accent2"/>
+          </a:lnRef>
+          <a:fillRef idx="1">
+            <a:schemeClr val="lt1"/>
+          </a:fillRef>
+          <a:effectRef idx="0">
+            <a:schemeClr val="accent2"/>
+          </a:effectRef>
+          <a:fontRef idx="minor">
+            <a:schemeClr val="dk1"/>
+          </a:fontRef>
+        </p:style>
+        <p:txBody>
+          <a:bodyPr>
+            <a:normAutofit fontScale="90000"/>
+          </a:bodyPr>
+          <a:lstStyle/>
+          <a:p>
+            <a:pPr algn="ctr" rtl="1">
+              <a:lnSpc>
+                <a:spcPct val="107000"/>
+              </a:lnSpc>
+              <a:spcAft>
+                <a:spcPts val="800"/>
+              </a:spcAft>
+            </a:pPr>
+            <a:r>
+              <a:rPr lang="en-GB" sz="4000" dirty="0">
+                <a:effectLst/>
+                <a:latin typeface="Calibri" panose="020F0502020204030204" pitchFamily="34" charset="0"/>
+                <a:ea typeface="Calibri" panose="020F0502020204030204" pitchFamily="34" charset="0"/>
+                <a:cs typeface="Arial" panose="020B0604020202020204" pitchFamily="34" charset="0"/>
+              </a:rPr>
+              <a:t>Demo</a:t>
+            </a:r>
+          </a:p>
+        </p:txBody>
+      </p:sp>
+      <p:pic>
+        <p:nvPicPr>
+          <p:cNvPr id="4" name="Picture 3">
+            <a:extLst>
+              <a:ext uri="{FF2B5EF4-FFF2-40B4-BE49-F238E27FC236}">
+                <a16:creationId xmlns:a16="http://schemas.microsoft.com/office/drawing/2014/main" id="{5D791979-EEE8-55C5-4BC6-AED8788FADB7}"/>
+              </a:ext>
+            </a:extLst>
+          </p:cNvPr>
+          <p:cNvPicPr>
+            <a:picLocks noChangeAspect="1"/>
+          </p:cNvPicPr>
+          <p:nvPr/>
+        </p:nvPicPr>
+        <p:blipFill rotWithShape="1">
+          <a:blip r:embed="rId2">
+            <a:extLst>
+              <a:ext uri="{28A0092B-C50C-407E-A947-70E740481C1C}">
+                <a14:useLocalDpi xmlns:a14="http://schemas.microsoft.com/office/drawing/2010/main" val="0"/>
+              </a:ext>
+            </a:extLst>
+          </a:blip>
+          <a:srcRect l="37528" t="13072" r="26479" b="9019"/>
+          <a:stretch/>
+        </p:blipFill>
+        <p:spPr>
+          <a:xfrm>
+            <a:off x="377214" y="649045"/>
+            <a:ext cx="2115671" cy="5342965"/>
+          </a:xfrm>
+          <a:prstGeom prst="rect">
+            <a:avLst/>
+          </a:prstGeom>
+        </p:spPr>
+      </p:pic>
+      <p:pic>
+        <p:nvPicPr>
+          <p:cNvPr id="7" name="Picture 6">
+            <a:extLst>
+              <a:ext uri="{FF2B5EF4-FFF2-40B4-BE49-F238E27FC236}">
+                <a16:creationId xmlns:a16="http://schemas.microsoft.com/office/drawing/2014/main" id="{490BC8A3-6B1A-624F-58F6-932B7D3D57AB}"/>
+              </a:ext>
+            </a:extLst>
+          </p:cNvPr>
+          <p:cNvPicPr>
+            <a:picLocks noChangeAspect="1"/>
+          </p:cNvPicPr>
+          <p:nvPr/>
+        </p:nvPicPr>
+        <p:blipFill rotWithShape="1">
+          <a:blip r:embed="rId3">
+            <a:extLst>
+              <a:ext uri="{28A0092B-C50C-407E-A947-70E740481C1C}">
+                <a14:useLocalDpi xmlns:a14="http://schemas.microsoft.com/office/drawing/2010/main" val="0"/>
+              </a:ext>
+            </a:extLst>
+          </a:blip>
+          <a:srcRect l="24183" t="37778" r="36307" b="28366"/>
+          <a:stretch/>
+        </p:blipFill>
+        <p:spPr>
+          <a:xfrm>
+            <a:off x="3152434" y="2305723"/>
+            <a:ext cx="2624735" cy="2868706"/>
+          </a:xfrm>
+          <a:prstGeom prst="rect">
+            <a:avLst/>
+          </a:prstGeom>
+        </p:spPr>
+      </p:pic>
+      <p:pic>
+        <p:nvPicPr>
+          <p:cNvPr id="9" name="Picture 8">
+            <a:extLst>
+              <a:ext uri="{FF2B5EF4-FFF2-40B4-BE49-F238E27FC236}">
+                <a16:creationId xmlns:a16="http://schemas.microsoft.com/office/drawing/2014/main" id="{4A778662-DC17-BA1A-E4E6-0B0B2263EFCB}"/>
+              </a:ext>
+            </a:extLst>
+          </p:cNvPr>
+          <p:cNvPicPr>
+            <a:picLocks noChangeAspect="1"/>
+          </p:cNvPicPr>
+          <p:nvPr/>
+        </p:nvPicPr>
+        <p:blipFill rotWithShape="1">
+          <a:blip r:embed="rId4">
+            <a:extLst>
+              <a:ext uri="{28A0092B-C50C-407E-A947-70E740481C1C}">
+                <a14:useLocalDpi xmlns:a14="http://schemas.microsoft.com/office/drawing/2010/main" val="0"/>
+              </a:ext>
+            </a:extLst>
+          </a:blip>
+          <a:srcRect l="25077" t="31503" r="36928" b="34877"/>
+          <a:stretch/>
+        </p:blipFill>
+        <p:spPr>
+          <a:xfrm>
+            <a:off x="6428697" y="2301241"/>
+            <a:ext cx="2489297" cy="2868706"/>
+          </a:xfrm>
+          <a:prstGeom prst="rect">
+            <a:avLst/>
+          </a:prstGeom>
+        </p:spPr>
+      </p:pic>
+      <p:pic>
+        <p:nvPicPr>
+          <p:cNvPr id="11" name="Picture 10">
+            <a:extLst>
+              <a:ext uri="{FF2B5EF4-FFF2-40B4-BE49-F238E27FC236}">
+                <a16:creationId xmlns:a16="http://schemas.microsoft.com/office/drawing/2014/main" id="{1A1C2426-FFF0-033C-76CA-D3AEE1D65E84}"/>
+              </a:ext>
+            </a:extLst>
+          </p:cNvPr>
+          <p:cNvPicPr>
+            <a:picLocks noChangeAspect="1"/>
+          </p:cNvPicPr>
+          <p:nvPr/>
+        </p:nvPicPr>
+        <p:blipFill rotWithShape="1">
+          <a:blip r:embed="rId5">
+            <a:extLst>
+              <a:ext uri="{28A0092B-C50C-407E-A947-70E740481C1C}">
+                <a14:useLocalDpi xmlns:a14="http://schemas.microsoft.com/office/drawing/2010/main" val="0"/>
+              </a:ext>
+            </a:extLst>
+          </a:blip>
+          <a:srcRect l="28518" t="23764" r="33313" b="18431"/>
+          <a:stretch/>
+        </p:blipFill>
+        <p:spPr>
+          <a:xfrm>
+            <a:off x="9426585" y="649045"/>
+            <a:ext cx="2218567" cy="5342965"/>
+          </a:xfrm>
+          <a:prstGeom prst="rect">
+            <a:avLst/>
+          </a:prstGeom>
+        </p:spPr>
+      </p:pic>
+    </p:spTree>
+    <p:extLst>
+      <p:ext uri="{BB962C8B-B14F-4D97-AF65-F5344CB8AC3E}">
+        <p14:creationId xmlns:p14="http://schemas.microsoft.com/office/powerpoint/2010/main" val="2526348829"/>
+      </p:ext>
+    </p:extLst>
+  </p:cSld>
+  <p:clrMapOvr>
+    <a:masterClrMapping/>
+  </p:clrMapOvr>
+  <p:transition spd="slow">
+    <p:randomBar dir="vert"/>
+  </p:transition>
+</p:sld>
+</file>
+
+<file path=ppt/slides/slide11.xml><?xml version="1.0" encoding="utf-8"?>
+<p:sld xmlns:a="http://schemas.openxmlformats.org/drawingml/2006/main" xmlns:r="http://schemas.openxmlformats.org/officeDocument/2006/relationships" xmlns:p="http://schemas.openxmlformats.org/presentationml/2006/main">
+  <p:cSld>
+    <p:spTree>
+      <p:nvGrpSpPr>
+        <p:cNvPr id="1" name=""/>
+        <p:cNvGrpSpPr/>
+        <p:nvPr/>
+      </p:nvGrpSpPr>
+      <p:grpSpPr>
+        <a:xfrm>
+          <a:off x="0" y="0"/>
+          <a:ext cx="0" cy="0"/>
+          <a:chOff x="0" y="0"/>
+          <a:chExt cx="0" cy="0"/>
+        </a:xfrm>
+      </p:grpSpPr>
+      <p:sp>
+        <p:nvSpPr>
+          <p:cNvPr id="2" name="Title 1">
+            <a:extLst>
+              <a:ext uri="{FF2B5EF4-FFF2-40B4-BE49-F238E27FC236}">
+                <a16:creationId xmlns:a16="http://schemas.microsoft.com/office/drawing/2014/main" id="{DD0B6389-2374-4677-B8BB-59410CCC32FD}"/>
+              </a:ext>
+            </a:extLst>
+          </p:cNvPr>
+          <p:cNvSpPr>
+            <a:spLocks noGrp="1"/>
+          </p:cNvSpPr>
+          <p:nvPr>
+            <p:ph type="title"/>
+          </p:nvPr>
+        </p:nvSpPr>
+        <p:spPr>
+          <a:xfrm>
+            <a:off x="1224824" y="851648"/>
+            <a:ext cx="10058400" cy="706419"/>
+          </a:xfrm>
+          <a:solidFill>
+            <a:srgbClr val="F2F3F3"/>
+          </a:solidFill>
+        </p:spPr>
+        <p:style>
+          <a:lnRef idx="2">
+            <a:schemeClr val="accent2"/>
+          </a:lnRef>
+          <a:fillRef idx="1">
+            <a:schemeClr val="lt1"/>
+          </a:fillRef>
+          <a:effectRef idx="0">
+            <a:schemeClr val="accent2"/>
+          </a:effectRef>
+          <a:fontRef idx="minor">
+            <a:schemeClr val="dk1"/>
+          </a:fontRef>
+        </p:style>
+        <p:txBody>
+          <a:bodyPr>
+            <a:normAutofit/>
+          </a:bodyPr>
+          <a:lstStyle/>
+          <a:p>
+            <a:pPr algn="ctr" rtl="1">
+              <a:lnSpc>
+                <a:spcPct val="107000"/>
+              </a:lnSpc>
+              <a:spcAft>
+                <a:spcPts val="800"/>
+              </a:spcAft>
+            </a:pPr>
+            <a:r>
+              <a:rPr lang="ar-SA" sz="2800" b="1" dirty="0">
+                <a:effectLst/>
+                <a:latin typeface="Calibri" panose="020F0502020204030204" pitchFamily="34" charset="0"/>
+                <a:ea typeface="Calibri" panose="020F0502020204030204" pitchFamily="34" charset="0"/>
+                <a:cs typeface="Arial" panose="020B0604020202020204" pitchFamily="34" charset="0"/>
+              </a:rPr>
+              <a:t>معلومات/أسماء أعضاء الفريق</a:t>
+            </a:r>
+            <a:endParaRPr lang="en-GB" sz="5400" b="1" dirty="0">
+              <a:effectLst/>
+              <a:latin typeface="Calibri" panose="020F0502020204030204" pitchFamily="34" charset="0"/>
+              <a:ea typeface="Calibri" panose="020F0502020204030204" pitchFamily="34" charset="0"/>
+              <a:cs typeface="Arial" panose="020B0604020202020204" pitchFamily="34" charset="0"/>
+            </a:endParaRPr>
+          </a:p>
+        </p:txBody>
+      </p:sp>
+      <p:sp>
+        <p:nvSpPr>
+          <p:cNvPr id="3" name="Flowchart: Predefined Process 2">
+            <a:extLst>
+              <a:ext uri="{FF2B5EF4-FFF2-40B4-BE49-F238E27FC236}">
+                <a16:creationId xmlns:a16="http://schemas.microsoft.com/office/drawing/2014/main" id="{F9C8D4C8-9818-BA51-25F6-DEA5F85DE50B}"/>
+              </a:ext>
+            </a:extLst>
+          </p:cNvPr>
+          <p:cNvSpPr/>
+          <p:nvPr/>
+        </p:nvSpPr>
+        <p:spPr>
+          <a:xfrm>
+            <a:off x="1287577" y="1918446"/>
+            <a:ext cx="7117976" cy="4025153"/>
+          </a:xfrm>
+          <a:prstGeom prst="flowChartPredefinedProcess">
+            <a:avLst/>
+          </a:prstGeom>
+          <a:solidFill>
+            <a:srgbClr val="F2F3F3"/>
+          </a:solidFill>
+        </p:spPr>
+        <p:style>
+          <a:lnRef idx="2">
+            <a:schemeClr val="accent2"/>
+          </a:lnRef>
+          <a:fillRef idx="1">
+            <a:schemeClr val="lt1"/>
+          </a:fillRef>
+          <a:effectRef idx="0">
+            <a:schemeClr val="accent2"/>
+          </a:effectRef>
+          <a:fontRef idx="minor">
+            <a:schemeClr val="dk1"/>
+          </a:fontRef>
+        </p:style>
+        <p:txBody>
+          <a:bodyPr rtlCol="0" anchor="ctr"/>
+          <a:lstStyle/>
+          <a:p>
+            <a:pPr algn="ctr"/>
+            <a:r>
+              <a:rPr lang="ar-SA" sz="2000" b="1">
+                <a:ln w="0"/>
+                <a:solidFill>
+                  <a:schemeClr val="tx1"/>
+                </a:solidFill>
+                <a:effectLst>
+                  <a:outerShdw blurRad="38100" dist="19050" dir="2700000" algn="tl" rotWithShape="0">
+                    <a:schemeClr val="dk1">
+                      <a:alpha val="40000"/>
+                    </a:schemeClr>
+                  </a:outerShdw>
+                </a:effectLst>
+              </a:rPr>
+              <a:t>سمر </a:t>
+            </a:r>
+            <a:r>
+              <a:rPr lang="ar-SA" sz="2000" b="1" dirty="0">
+                <a:ln w="0"/>
+                <a:solidFill>
+                  <a:schemeClr val="tx1"/>
+                </a:solidFill>
+                <a:effectLst>
+                  <a:outerShdw blurRad="38100" dist="19050" dir="2700000" algn="tl" rotWithShape="0">
+                    <a:schemeClr val="dk1">
+                      <a:alpha val="40000"/>
+                    </a:schemeClr>
+                  </a:outerShdw>
+                </a:effectLst>
+              </a:rPr>
+              <a:t>صالح :</a:t>
+            </a:r>
+          </a:p>
+          <a:p>
+            <a:pPr algn="ctr"/>
+            <a:r>
+              <a:rPr lang="en-GB" sz="2000" b="1" dirty="0">
+                <a:ln w="0"/>
+                <a:solidFill>
+                  <a:schemeClr val="tx1"/>
+                </a:solidFill>
+                <a:effectLst>
+                  <a:outerShdw blurRad="38100" dist="19050" dir="2700000" algn="tl" rotWithShape="0">
+                    <a:schemeClr val="dk1">
+                      <a:alpha val="40000"/>
+                    </a:schemeClr>
+                  </a:outerShdw>
+                </a:effectLst>
+              </a:rPr>
+              <a:t>https://github.com/samar897 </a:t>
+            </a:r>
+            <a:endParaRPr lang="ar-SA" sz="2000" b="1" dirty="0">
+              <a:ln w="0"/>
+              <a:solidFill>
+                <a:schemeClr val="tx1"/>
+              </a:solidFill>
+              <a:effectLst>
+                <a:outerShdw blurRad="38100" dist="19050" dir="2700000" algn="tl" rotWithShape="0">
+                  <a:schemeClr val="dk1">
+                    <a:alpha val="40000"/>
+                  </a:schemeClr>
+                </a:outerShdw>
+              </a:effectLst>
+            </a:endParaRPr>
+          </a:p>
+          <a:p>
+            <a:pPr algn="ctr"/>
+            <a:endParaRPr lang="ar-SA" sz="2000" b="1" dirty="0">
+              <a:ln w="0"/>
+              <a:solidFill>
+                <a:schemeClr val="tx1"/>
+              </a:solidFill>
+              <a:effectLst>
+                <a:outerShdw blurRad="38100" dist="19050" dir="2700000" algn="tl" rotWithShape="0">
+                  <a:schemeClr val="dk1">
+                    <a:alpha val="40000"/>
+                  </a:schemeClr>
+                </a:outerShdw>
+              </a:effectLst>
+            </a:endParaRPr>
+          </a:p>
+          <a:p>
+            <a:pPr algn="ctr"/>
+            <a:endParaRPr lang="ar-SA" sz="2000" b="1" dirty="0">
+              <a:ln w="0"/>
+              <a:solidFill>
+                <a:schemeClr val="tx1"/>
+              </a:solidFill>
+              <a:effectLst>
+                <a:outerShdw blurRad="38100" dist="19050" dir="2700000" algn="tl" rotWithShape="0">
+                  <a:schemeClr val="dk1">
+                    <a:alpha val="40000"/>
+                  </a:schemeClr>
+                </a:outerShdw>
+              </a:effectLst>
+            </a:endParaRPr>
+          </a:p>
+          <a:p>
+            <a:pPr algn="ctr"/>
+            <a:r>
+              <a:rPr lang="ar-SA" sz="2000" b="1" dirty="0">
+                <a:ln w="0"/>
+                <a:solidFill>
+                  <a:schemeClr val="tx1"/>
+                </a:solidFill>
+                <a:effectLst>
+                  <a:outerShdw blurRad="38100" dist="19050" dir="2700000" algn="tl" rotWithShape="0">
+                    <a:schemeClr val="dk1">
+                      <a:alpha val="40000"/>
+                    </a:schemeClr>
+                  </a:outerShdw>
+                </a:effectLst>
+              </a:rPr>
+              <a:t>عبدالملك:</a:t>
+            </a:r>
+          </a:p>
+          <a:p>
+            <a:pPr algn="ctr"/>
+            <a:r>
+              <a:rPr lang="en-GB" sz="2000" b="1" dirty="0">
+                <a:ln w="0"/>
+                <a:solidFill>
+                  <a:schemeClr val="tx1"/>
+                </a:solidFill>
+                <a:effectLst>
+                  <a:outerShdw blurRad="38100" dist="19050" dir="2700000" algn="tl" rotWithShape="0">
+                    <a:schemeClr val="dk1">
+                      <a:alpha val="40000"/>
+                    </a:schemeClr>
+                  </a:outerShdw>
+                </a:effectLst>
+                <a:latin typeface="Consolas" panose="020B0609020204030204" pitchFamily="49" charset="0"/>
+              </a:rPr>
+              <a:t>https://github.com/Abdulmalik055.</a:t>
+            </a:r>
+          </a:p>
+        </p:txBody>
+      </p:sp>
+      <p:pic>
+        <p:nvPicPr>
+          <p:cNvPr id="4" name="Picture 3">
+            <a:extLst>
+              <a:ext uri="{FF2B5EF4-FFF2-40B4-BE49-F238E27FC236}">
+                <a16:creationId xmlns:a16="http://schemas.microsoft.com/office/drawing/2014/main" id="{2F76026F-A9DE-ABD1-A6A4-E6F66FB166E8}"/>
+              </a:ext>
+            </a:extLst>
+          </p:cNvPr>
+          <p:cNvPicPr>
+            <a:picLocks noChangeAspect="1"/>
+          </p:cNvPicPr>
+          <p:nvPr/>
+        </p:nvPicPr>
+        <p:blipFill>
+          <a:blip r:embed="rId2">
+            <a:extLst>
+              <a:ext uri="{28A0092B-C50C-407E-A947-70E740481C1C}">
+                <a14:useLocalDpi xmlns:a14="http://schemas.microsoft.com/office/drawing/2010/main" val="0"/>
+              </a:ext>
+            </a:extLst>
+          </a:blip>
+          <a:stretch>
+            <a:fillRect/>
+          </a:stretch>
+        </p:blipFill>
+        <p:spPr>
+          <a:xfrm>
+            <a:off x="8853513" y="2259071"/>
+            <a:ext cx="2658045" cy="2926083"/>
+          </a:xfrm>
+          <a:prstGeom prst="rect">
+            <a:avLst/>
+          </a:prstGeom>
+        </p:spPr>
+      </p:pic>
+    </p:spTree>
+    <p:extLst>
+      <p:ext uri="{BB962C8B-B14F-4D97-AF65-F5344CB8AC3E}">
+        <p14:creationId xmlns:p14="http://schemas.microsoft.com/office/powerpoint/2010/main" val="1518370714"/>
+      </p:ext>
+    </p:extLst>
+  </p:cSld>
+  <p:clrMapOvr>
+    <a:masterClrMapping/>
+  </p:clrMapOvr>
+  <p:transition spd="slow">
+    <p:randomBar dir="vert"/>
+  </p:transition>
+</p:sld>
+</file>
+
 <file path=ppt/slides/slide2.xml><?xml version="1.0" encoding="utf-8"?>
 <p:sld xmlns:a="http://schemas.openxmlformats.org/drawingml/2006/main" xmlns:r="http://schemas.openxmlformats.org/officeDocument/2006/relationships" xmlns:p="http://schemas.openxmlformats.org/presentationml/2006/main">
   <p:cSld>
@@ -5953,7 +6512,7 @@
             <a:pPr rtl="0"/>
             <a:fld id="{98C8693B-3DD6-45FE-8789-61898B52A928}" type="datetime1">
               <a:rPr lang="en-US" smtClean="0"/>
-              <a:t>6/21/2023</a:t>
+              <a:t>6/22/2023</a:t>
             </a:fld>
             <a:endParaRPr lang="en-US" dirty="0"/>
           </a:p>
@@ -6084,7 +6643,7 @@
             <a:pPr rtl="0"/>
             <a:fld id="{98C8693B-3DD6-45FE-8789-61898B52A928}" type="datetime1">
               <a:rPr lang="en-US" smtClean="0"/>
-              <a:t>6/21/2023</a:t>
+              <a:t>6/22/2023</a:t>
             </a:fld>
             <a:endParaRPr lang="en-US" dirty="0"/>
           </a:p>
@@ -10883,7 +11442,7 @@
           <p:cNvPr id="2" name="Title 1">
             <a:extLst>
               <a:ext uri="{FF2B5EF4-FFF2-40B4-BE49-F238E27FC236}">
-                <a16:creationId xmlns:a16="http://schemas.microsoft.com/office/drawing/2014/main" id="{DD0B6389-2374-4677-B8BB-59410CCC32FD}"/>
+                <a16:creationId xmlns:a16="http://schemas.microsoft.com/office/drawing/2014/main" id="{E1EC2EEE-88E0-9128-6143-06DE87BC169C}"/>
               </a:ext>
             </a:extLst>
           </p:cNvPr>
@@ -10896,230 +11455,58 @@
         </p:nvSpPr>
         <p:spPr>
           <a:xfrm>
-            <a:off x="1224824" y="851648"/>
-            <a:ext cx="10058400" cy="706419"/>
+            <a:off x="1066799" y="241780"/>
+            <a:ext cx="10058400" cy="1450757"/>
           </a:xfrm>
-          <a:solidFill>
-            <a:srgbClr val="F2F3F3"/>
-          </a:solidFill>
         </p:spPr>
-        <p:style>
-          <a:lnRef idx="2">
-            <a:schemeClr val="accent2"/>
-          </a:lnRef>
-          <a:fillRef idx="1">
-            <a:schemeClr val="lt1"/>
-          </a:fillRef>
-          <a:effectRef idx="0">
-            <a:schemeClr val="accent2"/>
-          </a:effectRef>
-          <a:fontRef idx="minor">
-            <a:schemeClr val="dk1"/>
-          </a:fontRef>
-        </p:style>
         <p:txBody>
-          <a:bodyPr>
-            <a:normAutofit/>
-          </a:bodyPr>
+          <a:bodyPr/>
           <a:lstStyle/>
           <a:p>
-            <a:pPr algn="ctr" rtl="1">
-              <a:lnSpc>
-                <a:spcPct val="107000"/>
-              </a:lnSpc>
-              <a:spcAft>
-                <a:spcPts val="800"/>
-              </a:spcAft>
-            </a:pPr>
+            <a:pPr algn="ctr"/>
             <a:r>
-              <a:rPr lang="ar-SA" sz="2800" b="1" dirty="0">
-                <a:effectLst/>
-                <a:latin typeface="Calibri" panose="020F0502020204030204" pitchFamily="34" charset="0"/>
-                <a:ea typeface="Calibri" panose="020F0502020204030204" pitchFamily="34" charset="0"/>
-                <a:cs typeface="Arial" panose="020B0604020202020204" pitchFamily="34" charset="0"/>
-              </a:rPr>
-              <a:t>معلومات/أسماء أعضاء الفريق</a:t>
+              <a:rPr lang="ar-SA" dirty="0"/>
+              <a:t>رابط الموقع</a:t>
             </a:r>
-            <a:endParaRPr lang="en-GB" sz="5400" b="1" dirty="0">
-              <a:effectLst/>
-              <a:latin typeface="Calibri" panose="020F0502020204030204" pitchFamily="34" charset="0"/>
-              <a:ea typeface="Calibri" panose="020F0502020204030204" pitchFamily="34" charset="0"/>
-              <a:cs typeface="Arial" panose="020B0604020202020204" pitchFamily="34" charset="0"/>
-            </a:endParaRPr>
+            <a:endParaRPr lang="en-GB" dirty="0"/>
           </a:p>
         </p:txBody>
       </p:sp>
       <p:sp>
         <p:nvSpPr>
-          <p:cNvPr id="3" name="Flowchart: Predefined Process 2">
+          <p:cNvPr id="15" name="Date Placeholder 14">
             <a:extLst>
               <a:ext uri="{FF2B5EF4-FFF2-40B4-BE49-F238E27FC236}">
-                <a16:creationId xmlns:a16="http://schemas.microsoft.com/office/drawing/2014/main" id="{F9C8D4C8-9818-BA51-25F6-DEA5F85DE50B}"/>
+                <a16:creationId xmlns:a16="http://schemas.microsoft.com/office/drawing/2014/main" id="{58143970-2841-EA50-F330-609DB835F50D}"/>
               </a:ext>
             </a:extLst>
           </p:cNvPr>
-          <p:cNvSpPr/>
-          <p:nvPr/>
-        </p:nvSpPr>
-        <p:spPr>
-          <a:xfrm>
-            <a:off x="1287577" y="1918446"/>
-            <a:ext cx="7117976" cy="4025153"/>
-          </a:xfrm>
-          <a:prstGeom prst="flowChartPredefinedProcess">
-            <a:avLst/>
-          </a:prstGeom>
-          <a:solidFill>
-            <a:srgbClr val="F2F3F3"/>
-          </a:solidFill>
-        </p:spPr>
-        <p:style>
-          <a:lnRef idx="2">
-            <a:schemeClr val="accent2"/>
-          </a:lnRef>
-          <a:fillRef idx="1">
-            <a:schemeClr val="lt1"/>
-          </a:fillRef>
-          <a:effectRef idx="0">
-            <a:schemeClr val="accent2"/>
-          </a:effectRef>
-          <a:fontRef idx="minor">
-            <a:schemeClr val="dk1"/>
-          </a:fontRef>
-        </p:style>
+          <p:cNvSpPr>
+            <a:spLocks noGrp="1"/>
+          </p:cNvSpPr>
+          <p:nvPr>
+            <p:ph type="dt" sz="half" idx="10"/>
+          </p:nvPr>
+        </p:nvSpPr>
+        <p:spPr/>
         <p:txBody>
-          <a:bodyPr rtlCol="0" anchor="ctr"/>
+          <a:bodyPr/>
           <a:lstStyle/>
           <a:p>
-            <a:pPr algn="ctr"/>
             <a:r>
-              <a:rPr lang="ar-SA" sz="2000" b="1" dirty="0">
-                <a:ln w="0"/>
-                <a:solidFill>
-                  <a:schemeClr val="tx1"/>
-                </a:solidFill>
-                <a:effectLst>
-                  <a:outerShdw blurRad="38100" dist="19050" dir="2700000" algn="tl" rotWithShape="0">
-                    <a:schemeClr val="dk1">
-                      <a:alpha val="40000"/>
-                    </a:schemeClr>
-                  </a:outerShdw>
-                </a:effectLst>
-              </a:rPr>
-              <a:t>سمر عربي صالح :</a:t>
+              <a:rPr lang="en-US"/>
+              <a:t>20XX</a:t>
             </a:r>
-          </a:p>
-          <a:p>
-            <a:pPr algn="ctr"/>
-            <a:r>
-              <a:rPr lang="en-GB" sz="2000" b="1" dirty="0">
-                <a:ln w="0"/>
-                <a:solidFill>
-                  <a:schemeClr val="tx1"/>
-                </a:solidFill>
-                <a:effectLst>
-                  <a:outerShdw blurRad="38100" dist="19050" dir="2700000" algn="tl" rotWithShape="0">
-                    <a:schemeClr val="dk1">
-                      <a:alpha val="40000"/>
-                    </a:schemeClr>
-                  </a:outerShdw>
-                </a:effectLst>
-              </a:rPr>
-              <a:t>https://github.com/samar897 </a:t>
-            </a:r>
-            <a:endParaRPr lang="ar-SA" sz="2000" b="1" dirty="0">
-              <a:ln w="0"/>
-              <a:solidFill>
-                <a:schemeClr val="tx1"/>
-              </a:solidFill>
-              <a:effectLst>
-                <a:outerShdw blurRad="38100" dist="19050" dir="2700000" algn="tl" rotWithShape="0">
-                  <a:schemeClr val="dk1">
-                    <a:alpha val="40000"/>
-                  </a:schemeClr>
-                </a:outerShdw>
-              </a:effectLst>
-            </a:endParaRPr>
-          </a:p>
-          <a:p>
-            <a:pPr algn="ctr"/>
-            <a:endParaRPr lang="ar-SA" sz="2000" b="1" dirty="0">
-              <a:ln w="0"/>
-              <a:solidFill>
-                <a:schemeClr val="tx1"/>
-              </a:solidFill>
-              <a:effectLst>
-                <a:outerShdw blurRad="38100" dist="19050" dir="2700000" algn="tl" rotWithShape="0">
-                  <a:schemeClr val="dk1">
-                    <a:alpha val="40000"/>
-                  </a:schemeClr>
-                </a:outerShdw>
-              </a:effectLst>
-            </a:endParaRPr>
-          </a:p>
-          <a:p>
-            <a:pPr algn="ctr"/>
-            <a:endParaRPr lang="ar-SA" sz="2000" b="1" dirty="0">
-              <a:ln w="0"/>
-              <a:solidFill>
-                <a:schemeClr val="tx1"/>
-              </a:solidFill>
-              <a:effectLst>
-                <a:outerShdw blurRad="38100" dist="19050" dir="2700000" algn="tl" rotWithShape="0">
-                  <a:schemeClr val="dk1">
-                    <a:alpha val="40000"/>
-                  </a:schemeClr>
-                </a:outerShdw>
-              </a:effectLst>
-            </a:endParaRPr>
-          </a:p>
-          <a:p>
-            <a:pPr algn="ctr"/>
-            <a:r>
-              <a:rPr lang="ar-SA" sz="2000" b="1" dirty="0">
-                <a:ln w="0"/>
-                <a:solidFill>
-                  <a:schemeClr val="tx1"/>
-                </a:solidFill>
-                <a:effectLst>
-                  <a:outerShdw blurRad="38100" dist="19050" dir="2700000" algn="tl" rotWithShape="0">
-                    <a:schemeClr val="dk1">
-                      <a:alpha val="40000"/>
-                    </a:schemeClr>
-                  </a:outerShdw>
-                </a:effectLst>
-              </a:rPr>
-              <a:t>عبدالملك:</a:t>
-            </a:r>
-          </a:p>
-          <a:p>
-            <a:pPr algn="ctr"/>
-            <a:r>
-              <a:rPr lang="en-GB" sz="2000" b="1" dirty="0">
-                <a:ln w="0"/>
-                <a:solidFill>
-                  <a:schemeClr val="tx1"/>
-                </a:solidFill>
-                <a:effectLst>
-                  <a:outerShdw blurRad="38100" dist="19050" dir="2700000" algn="tl" rotWithShape="0">
-                    <a:schemeClr val="dk1">
-                      <a:alpha val="40000"/>
-                    </a:schemeClr>
-                  </a:outerShdw>
-                </a:effectLst>
-                <a:latin typeface="Consolas" panose="020B0609020204030204" pitchFamily="49" charset="0"/>
-              </a:rPr>
-              <a:t>https://github.com/Abdulmalik055.</a:t>
-            </a:r>
+            <a:endParaRPr lang="en-US" dirty="0"/>
           </a:p>
         </p:txBody>
       </p:sp>
       <p:pic>
         <p:nvPicPr>
-          <p:cNvPr id="4" name="Picture 3">
+          <p:cNvPr id="17" name="Picture 16">
             <a:extLst>
               <a:ext uri="{FF2B5EF4-FFF2-40B4-BE49-F238E27FC236}">
-                <a16:creationId xmlns:a16="http://schemas.microsoft.com/office/drawing/2014/main" id="{2F76026F-A9DE-ABD1-A6A4-E6F66FB166E8}"/>
+                <a16:creationId xmlns:a16="http://schemas.microsoft.com/office/drawing/2014/main" id="{759D25E1-E5D1-5A84-C366-4E52EF8CD636}"/>
               </a:ext>
             </a:extLst>
           </p:cNvPr>
@@ -11142,8 +11529,8 @@
         </p:blipFill>
         <p:spPr>
           <a:xfrm>
-            <a:off x="8853513" y="2259071"/>
-            <a:ext cx="2658045" cy="2926083"/>
+            <a:off x="4729151" y="2535040"/>
+            <a:ext cx="2733695" cy="2809896"/>
           </a:xfrm>
           <a:prstGeom prst="rect">
             <a:avLst/>
@@ -11153,16 +11540,13 @@
     </p:spTree>
     <p:extLst>
       <p:ext uri="{BB962C8B-B14F-4D97-AF65-F5344CB8AC3E}">
-        <p14:creationId xmlns:p14="http://schemas.microsoft.com/office/powerpoint/2010/main" val="1518370714"/>
+        <p14:creationId xmlns:p14="http://schemas.microsoft.com/office/powerpoint/2010/main" val="1336893826"/>
       </p:ext>
     </p:extLst>
   </p:cSld>
   <p:clrMapOvr>
     <a:masterClrMapping/>
   </p:clrMapOvr>
-  <p:transition spd="slow">
-    <p:randomBar dir="vert"/>
-  </p:transition>
 </p:sld>
 </file>
 
